--- a/App_code/이미지만드는ppt.pptx
+++ b/App_code/이미지만드는ppt.pptx
@@ -288,7 +288,7 @@
           <a:p>
             <a:fld id="{29376C35-A86D-4ADF-BBD2-C65C67232FDE}" type="datetimeFigureOut">
               <a:rPr lang="ko-KR" altLang="en-US" smtClean="0"/>
-              <a:t>2019-07-03</a:t>
+              <a:t>2019-07-15</a:t>
             </a:fld>
             <a:endParaRPr lang="ko-KR" altLang="en-US"/>
           </a:p>
@@ -458,7 +458,7 @@
           <a:p>
             <a:fld id="{29376C35-A86D-4ADF-BBD2-C65C67232FDE}" type="datetimeFigureOut">
               <a:rPr lang="ko-KR" altLang="en-US" smtClean="0"/>
-              <a:t>2019-07-03</a:t>
+              <a:t>2019-07-15</a:t>
             </a:fld>
             <a:endParaRPr lang="ko-KR" altLang="en-US"/>
           </a:p>
@@ -638,7 +638,7 @@
           <a:p>
             <a:fld id="{29376C35-A86D-4ADF-BBD2-C65C67232FDE}" type="datetimeFigureOut">
               <a:rPr lang="ko-KR" altLang="en-US" smtClean="0"/>
-              <a:t>2019-07-03</a:t>
+              <a:t>2019-07-15</a:t>
             </a:fld>
             <a:endParaRPr lang="ko-KR" altLang="en-US"/>
           </a:p>
@@ -808,7 +808,7 @@
           <a:p>
             <a:fld id="{29376C35-A86D-4ADF-BBD2-C65C67232FDE}" type="datetimeFigureOut">
               <a:rPr lang="ko-KR" altLang="en-US" smtClean="0"/>
-              <a:t>2019-07-03</a:t>
+              <a:t>2019-07-15</a:t>
             </a:fld>
             <a:endParaRPr lang="ko-KR" altLang="en-US"/>
           </a:p>
@@ -1054,7 +1054,7 @@
           <a:p>
             <a:fld id="{29376C35-A86D-4ADF-BBD2-C65C67232FDE}" type="datetimeFigureOut">
               <a:rPr lang="ko-KR" altLang="en-US" smtClean="0"/>
-              <a:t>2019-07-03</a:t>
+              <a:t>2019-07-15</a:t>
             </a:fld>
             <a:endParaRPr lang="ko-KR" altLang="en-US"/>
           </a:p>
@@ -1342,7 +1342,7 @@
           <a:p>
             <a:fld id="{29376C35-A86D-4ADF-BBD2-C65C67232FDE}" type="datetimeFigureOut">
               <a:rPr lang="ko-KR" altLang="en-US" smtClean="0"/>
-              <a:t>2019-07-03</a:t>
+              <a:t>2019-07-15</a:t>
             </a:fld>
             <a:endParaRPr lang="ko-KR" altLang="en-US"/>
           </a:p>
@@ -1764,7 +1764,7 @@
           <a:p>
             <a:fld id="{29376C35-A86D-4ADF-BBD2-C65C67232FDE}" type="datetimeFigureOut">
               <a:rPr lang="ko-KR" altLang="en-US" smtClean="0"/>
-              <a:t>2019-07-03</a:t>
+              <a:t>2019-07-15</a:t>
             </a:fld>
             <a:endParaRPr lang="ko-KR" altLang="en-US"/>
           </a:p>
@@ -1882,7 +1882,7 @@
           <a:p>
             <a:fld id="{29376C35-A86D-4ADF-BBD2-C65C67232FDE}" type="datetimeFigureOut">
               <a:rPr lang="ko-KR" altLang="en-US" smtClean="0"/>
-              <a:t>2019-07-03</a:t>
+              <a:t>2019-07-15</a:t>
             </a:fld>
             <a:endParaRPr lang="ko-KR" altLang="en-US"/>
           </a:p>
@@ -1977,7 +1977,7 @@
           <a:p>
             <a:fld id="{29376C35-A86D-4ADF-BBD2-C65C67232FDE}" type="datetimeFigureOut">
               <a:rPr lang="ko-KR" altLang="en-US" smtClean="0"/>
-              <a:t>2019-07-03</a:t>
+              <a:t>2019-07-15</a:t>
             </a:fld>
             <a:endParaRPr lang="ko-KR" altLang="en-US"/>
           </a:p>
@@ -2254,7 +2254,7 @@
           <a:p>
             <a:fld id="{29376C35-A86D-4ADF-BBD2-C65C67232FDE}" type="datetimeFigureOut">
               <a:rPr lang="ko-KR" altLang="en-US" smtClean="0"/>
-              <a:t>2019-07-03</a:t>
+              <a:t>2019-07-15</a:t>
             </a:fld>
             <a:endParaRPr lang="ko-KR" altLang="en-US"/>
           </a:p>
@@ -2507,7 +2507,7 @@
           <a:p>
             <a:fld id="{29376C35-A86D-4ADF-BBD2-C65C67232FDE}" type="datetimeFigureOut">
               <a:rPr lang="ko-KR" altLang="en-US" smtClean="0"/>
-              <a:t>2019-07-03</a:t>
+              <a:t>2019-07-15</a:t>
             </a:fld>
             <a:endParaRPr lang="ko-KR" altLang="en-US"/>
           </a:p>
@@ -2720,7 +2720,7 @@
           <a:p>
             <a:fld id="{29376C35-A86D-4ADF-BBD2-C65C67232FDE}" type="datetimeFigureOut">
               <a:rPr lang="ko-KR" altLang="en-US" smtClean="0"/>
-              <a:t>2019-07-03</a:t>
+              <a:t>2019-07-15</a:t>
             </a:fld>
             <a:endParaRPr lang="ko-KR" altLang="en-US"/>
           </a:p>
@@ -3285,6 +3285,172 @@
           </a:p>
         </p:txBody>
       </p:sp>
+      <p:sp>
+        <p:nvSpPr>
+          <p:cNvPr id="6" name="직사각형 5"/>
+          <p:cNvSpPr>
+            <a:spLocks noChangeAspect="1"/>
+          </p:cNvSpPr>
+          <p:nvPr/>
+        </p:nvSpPr>
+        <p:spPr>
+          <a:xfrm>
+            <a:off x="5508104" y="1916832"/>
+            <a:ext cx="2476800" cy="810000"/>
+          </a:xfrm>
+          <a:prstGeom prst="rect">
+            <a:avLst/>
+          </a:prstGeom>
+          <a:solidFill>
+            <a:srgbClr val="ACEDF4"/>
+          </a:solidFill>
+          <a:ln>
+            <a:noFill/>
+          </a:ln>
+          <a:effectLst>
+            <a:outerShdw blurRad="44450" dist="27940" dir="5400000" algn="ctr">
+              <a:srgbClr val="000000">
+                <a:alpha val="32000"/>
+              </a:srgbClr>
+            </a:outerShdw>
+            <a:softEdge rad="31750"/>
+          </a:effectLst>
+          <a:scene3d>
+            <a:camera prst="orthographicFront">
+              <a:rot lat="0" lon="0" rev="0"/>
+            </a:camera>
+            <a:lightRig rig="balanced" dir="t">
+              <a:rot lat="0" lon="0" rev="8700000"/>
+            </a:lightRig>
+          </a:scene3d>
+          <a:sp3d>
+            <a:bevelT w="190500" h="38100"/>
+          </a:sp3d>
+        </p:spPr>
+        <p:style>
+          <a:lnRef idx="2">
+            <a:schemeClr val="accent1">
+              <a:shade val="50000"/>
+            </a:schemeClr>
+          </a:lnRef>
+          <a:fillRef idx="1">
+            <a:schemeClr val="accent1"/>
+          </a:fillRef>
+          <a:effectRef idx="0">
+            <a:schemeClr val="accent1"/>
+          </a:effectRef>
+          <a:fontRef idx="minor">
+            <a:schemeClr val="lt1"/>
+          </a:fontRef>
+        </p:style>
+        <p:txBody>
+          <a:bodyPr rtlCol="0" anchor="ctr"/>
+          <a:lstStyle/>
+          <a:p>
+            <a:pPr algn="ctr"/>
+            <a:r>
+              <a:rPr lang="ko-KR" altLang="en-US" sz="2400" b="1" dirty="0" smtClean="0">
+                <a:solidFill>
+                  <a:schemeClr val="accent1">
+                    <a:lumMod val="75000"/>
+                  </a:schemeClr>
+                </a:solidFill>
+              </a:rPr>
+              <a:t>다시 하기</a:t>
+            </a:r>
+            <a:endParaRPr lang="en-US" altLang="ko-KR" sz="2400" b="1" dirty="0" smtClean="0">
+              <a:solidFill>
+                <a:schemeClr val="accent1">
+                  <a:lumMod val="75000"/>
+                </a:schemeClr>
+              </a:solidFill>
+            </a:endParaRPr>
+          </a:p>
+        </p:txBody>
+      </p:sp>
+      <p:sp>
+        <p:nvSpPr>
+          <p:cNvPr id="7" name="직사각형 6"/>
+          <p:cNvSpPr>
+            <a:spLocks noChangeAspect="1"/>
+          </p:cNvSpPr>
+          <p:nvPr/>
+        </p:nvSpPr>
+        <p:spPr>
+          <a:xfrm>
+            <a:off x="5660504" y="3444165"/>
+            <a:ext cx="2476800" cy="810000"/>
+          </a:xfrm>
+          <a:prstGeom prst="rect">
+            <a:avLst/>
+          </a:prstGeom>
+          <a:solidFill>
+            <a:srgbClr val="ACEDF4"/>
+          </a:solidFill>
+          <a:ln>
+            <a:noFill/>
+          </a:ln>
+          <a:effectLst>
+            <a:outerShdw blurRad="44450" dist="27940" dir="5400000" algn="ctr">
+              <a:srgbClr val="000000">
+                <a:alpha val="32000"/>
+              </a:srgbClr>
+            </a:outerShdw>
+            <a:softEdge rad="31750"/>
+          </a:effectLst>
+          <a:scene3d>
+            <a:camera prst="orthographicFront">
+              <a:rot lat="0" lon="0" rev="0"/>
+            </a:camera>
+            <a:lightRig rig="balanced" dir="t">
+              <a:rot lat="0" lon="0" rev="8700000"/>
+            </a:lightRig>
+          </a:scene3d>
+          <a:sp3d>
+            <a:bevelT w="190500" h="38100"/>
+          </a:sp3d>
+        </p:spPr>
+        <p:style>
+          <a:lnRef idx="2">
+            <a:schemeClr val="accent1">
+              <a:shade val="50000"/>
+            </a:schemeClr>
+          </a:lnRef>
+          <a:fillRef idx="1">
+            <a:schemeClr val="accent1"/>
+          </a:fillRef>
+          <a:effectRef idx="0">
+            <a:schemeClr val="accent1"/>
+          </a:effectRef>
+          <a:fontRef idx="minor">
+            <a:schemeClr val="lt1"/>
+          </a:fontRef>
+        </p:style>
+        <p:txBody>
+          <a:bodyPr rtlCol="0" anchor="ctr"/>
+          <a:lstStyle/>
+          <a:p>
+            <a:pPr algn="ctr"/>
+            <a:r>
+              <a:rPr lang="ko-KR" altLang="en-US" sz="2400" b="1" dirty="0" smtClean="0">
+                <a:solidFill>
+                  <a:schemeClr val="accent1">
+                    <a:lumMod val="75000"/>
+                  </a:schemeClr>
+                </a:solidFill>
+              </a:rPr>
+              <a:t>게임 종료</a:t>
+            </a:r>
+            <a:endParaRPr lang="en-US" altLang="ko-KR" sz="2400" b="1" dirty="0" smtClean="0">
+              <a:solidFill>
+                <a:schemeClr val="accent1">
+                  <a:lumMod val="75000"/>
+                </a:schemeClr>
+              </a:solidFill>
+            </a:endParaRPr>
+          </a:p>
+        </p:txBody>
+      </p:sp>
     </p:spTree>
     <p:extLst>
       <p:ext uri="{BB962C8B-B14F-4D97-AF65-F5344CB8AC3E}">

--- a/App_code/이미지만드는ppt.pptx
+++ b/App_code/이미지만드는ppt.pptx
@@ -288,7 +288,7 @@
           <a:p>
             <a:fld id="{29376C35-A86D-4ADF-BBD2-C65C67232FDE}" type="datetimeFigureOut">
               <a:rPr lang="ko-KR" altLang="en-US" smtClean="0"/>
-              <a:t>2019-07-15</a:t>
+              <a:t>2019-10-10</a:t>
             </a:fld>
             <a:endParaRPr lang="ko-KR" altLang="en-US"/>
           </a:p>
@@ -458,7 +458,7 @@
           <a:p>
             <a:fld id="{29376C35-A86D-4ADF-BBD2-C65C67232FDE}" type="datetimeFigureOut">
               <a:rPr lang="ko-KR" altLang="en-US" smtClean="0"/>
-              <a:t>2019-07-15</a:t>
+              <a:t>2019-10-10</a:t>
             </a:fld>
             <a:endParaRPr lang="ko-KR" altLang="en-US"/>
           </a:p>
@@ -638,7 +638,7 @@
           <a:p>
             <a:fld id="{29376C35-A86D-4ADF-BBD2-C65C67232FDE}" type="datetimeFigureOut">
               <a:rPr lang="ko-KR" altLang="en-US" smtClean="0"/>
-              <a:t>2019-07-15</a:t>
+              <a:t>2019-10-10</a:t>
             </a:fld>
             <a:endParaRPr lang="ko-KR" altLang="en-US"/>
           </a:p>
@@ -808,7 +808,7 @@
           <a:p>
             <a:fld id="{29376C35-A86D-4ADF-BBD2-C65C67232FDE}" type="datetimeFigureOut">
               <a:rPr lang="ko-KR" altLang="en-US" smtClean="0"/>
-              <a:t>2019-07-15</a:t>
+              <a:t>2019-10-10</a:t>
             </a:fld>
             <a:endParaRPr lang="ko-KR" altLang="en-US"/>
           </a:p>
@@ -1054,7 +1054,7 @@
           <a:p>
             <a:fld id="{29376C35-A86D-4ADF-BBD2-C65C67232FDE}" type="datetimeFigureOut">
               <a:rPr lang="ko-KR" altLang="en-US" smtClean="0"/>
-              <a:t>2019-07-15</a:t>
+              <a:t>2019-10-10</a:t>
             </a:fld>
             <a:endParaRPr lang="ko-KR" altLang="en-US"/>
           </a:p>
@@ -1342,7 +1342,7 @@
           <a:p>
             <a:fld id="{29376C35-A86D-4ADF-BBD2-C65C67232FDE}" type="datetimeFigureOut">
               <a:rPr lang="ko-KR" altLang="en-US" smtClean="0"/>
-              <a:t>2019-07-15</a:t>
+              <a:t>2019-10-10</a:t>
             </a:fld>
             <a:endParaRPr lang="ko-KR" altLang="en-US"/>
           </a:p>
@@ -1764,7 +1764,7 @@
           <a:p>
             <a:fld id="{29376C35-A86D-4ADF-BBD2-C65C67232FDE}" type="datetimeFigureOut">
               <a:rPr lang="ko-KR" altLang="en-US" smtClean="0"/>
-              <a:t>2019-07-15</a:t>
+              <a:t>2019-10-10</a:t>
             </a:fld>
             <a:endParaRPr lang="ko-KR" altLang="en-US"/>
           </a:p>
@@ -1882,7 +1882,7 @@
           <a:p>
             <a:fld id="{29376C35-A86D-4ADF-BBD2-C65C67232FDE}" type="datetimeFigureOut">
               <a:rPr lang="ko-KR" altLang="en-US" smtClean="0"/>
-              <a:t>2019-07-15</a:t>
+              <a:t>2019-10-10</a:t>
             </a:fld>
             <a:endParaRPr lang="ko-KR" altLang="en-US"/>
           </a:p>
@@ -1977,7 +1977,7 @@
           <a:p>
             <a:fld id="{29376C35-A86D-4ADF-BBD2-C65C67232FDE}" type="datetimeFigureOut">
               <a:rPr lang="ko-KR" altLang="en-US" smtClean="0"/>
-              <a:t>2019-07-15</a:t>
+              <a:t>2019-10-10</a:t>
             </a:fld>
             <a:endParaRPr lang="ko-KR" altLang="en-US"/>
           </a:p>
@@ -2254,7 +2254,7 @@
           <a:p>
             <a:fld id="{29376C35-A86D-4ADF-BBD2-C65C67232FDE}" type="datetimeFigureOut">
               <a:rPr lang="ko-KR" altLang="en-US" smtClean="0"/>
-              <a:t>2019-07-15</a:t>
+              <a:t>2019-10-10</a:t>
             </a:fld>
             <a:endParaRPr lang="ko-KR" altLang="en-US"/>
           </a:p>
@@ -2507,7 +2507,7 @@
           <a:p>
             <a:fld id="{29376C35-A86D-4ADF-BBD2-C65C67232FDE}" type="datetimeFigureOut">
               <a:rPr lang="ko-KR" altLang="en-US" smtClean="0"/>
-              <a:t>2019-07-15</a:t>
+              <a:t>2019-10-10</a:t>
             </a:fld>
             <a:endParaRPr lang="ko-KR" altLang="en-US"/>
           </a:p>
@@ -2720,7 +2720,7 @@
           <a:p>
             <a:fld id="{29376C35-A86D-4ADF-BBD2-C65C67232FDE}" type="datetimeFigureOut">
               <a:rPr lang="ko-KR" altLang="en-US" smtClean="0"/>
-              <a:t>2019-07-15</a:t>
+              <a:t>2019-10-10</a:t>
             </a:fld>
             <a:endParaRPr lang="ko-KR" altLang="en-US"/>
           </a:p>
@@ -3227,7 +3227,7 @@
         </p:nvSpPr>
         <p:spPr>
           <a:xfrm>
-            <a:off x="2483768" y="2904105"/>
+            <a:off x="1043608" y="638600"/>
             <a:ext cx="3902696" cy="1080120"/>
           </a:xfrm>
           <a:prstGeom prst="rect">
@@ -3440,6 +3440,213 @@
                 </a:solidFill>
               </a:rPr>
               <a:t>게임 종료</a:t>
+            </a:r>
+            <a:endParaRPr lang="en-US" altLang="ko-KR" sz="2400" b="1" dirty="0" smtClean="0">
+              <a:solidFill>
+                <a:schemeClr val="accent1">
+                  <a:lumMod val="75000"/>
+                </a:schemeClr>
+              </a:solidFill>
+            </a:endParaRPr>
+          </a:p>
+        </p:txBody>
+      </p:sp>
+      <p:pic>
+        <p:nvPicPr>
+          <p:cNvPr id="2" name="Picture 2" descr="H:\git\study\App_code\downdown_first_app\start_btn.png"/>
+          <p:cNvPicPr>
+            <a:picLocks noChangeAspect="1" noChangeArrowheads="1"/>
+          </p:cNvPicPr>
+          <p:nvPr/>
+        </p:nvPicPr>
+        <p:blipFill>
+          <a:blip r:embed="rId3">
+            <a:extLst>
+              <a:ext uri="{28A0092B-C50C-407E-A947-70E740481C1C}">
+                <a14:useLocalDpi xmlns:a14="http://schemas.microsoft.com/office/drawing/2010/main" val="0"/>
+              </a:ext>
+            </a:extLst>
+          </a:blip>
+          <a:srcRect/>
+          <a:stretch>
+            <a:fillRect/>
+          </a:stretch>
+        </p:blipFill>
+        <p:spPr bwMode="auto">
+          <a:xfrm>
+            <a:off x="755576" y="3556271"/>
+            <a:ext cx="1493837" cy="585788"/>
+          </a:xfrm>
+          <a:prstGeom prst="rect">
+            <a:avLst/>
+          </a:prstGeom>
+          <a:noFill/>
+          <a:extLst>
+            <a:ext uri="{909E8E84-426E-40DD-AFC4-6F175D3DCCD1}">
+              <a14:hiddenFill xmlns:a14="http://schemas.microsoft.com/office/drawing/2010/main">
+                <a:solidFill>
+                  <a:srgbClr val="FFFFFF"/>
+                </a:solidFill>
+              </a14:hiddenFill>
+            </a:ext>
+          </a:extLst>
+        </p:spPr>
+      </p:pic>
+      <p:sp>
+        <p:nvSpPr>
+          <p:cNvPr id="11" name="직사각형 10"/>
+          <p:cNvSpPr>
+            <a:spLocks noChangeAspect="1"/>
+          </p:cNvSpPr>
+          <p:nvPr/>
+        </p:nvSpPr>
+        <p:spPr>
+          <a:xfrm>
+            <a:off x="5148064" y="5733256"/>
+            <a:ext cx="2476800" cy="810000"/>
+          </a:xfrm>
+          <a:prstGeom prst="rect">
+            <a:avLst/>
+          </a:prstGeom>
+          <a:solidFill>
+            <a:srgbClr val="ACEDF4"/>
+          </a:solidFill>
+          <a:ln>
+            <a:noFill/>
+          </a:ln>
+          <a:effectLst>
+            <a:outerShdw blurRad="44450" dist="27940" dir="5400000" algn="ctr">
+              <a:srgbClr val="000000">
+                <a:alpha val="32000"/>
+              </a:srgbClr>
+            </a:outerShdw>
+            <a:softEdge rad="31750"/>
+          </a:effectLst>
+          <a:scene3d>
+            <a:camera prst="orthographicFront">
+              <a:rot lat="0" lon="0" rev="0"/>
+            </a:camera>
+            <a:lightRig rig="balanced" dir="t">
+              <a:rot lat="0" lon="0" rev="8700000"/>
+            </a:lightRig>
+          </a:scene3d>
+          <a:sp3d>
+            <a:bevelT w="190500" h="38100"/>
+          </a:sp3d>
+        </p:spPr>
+        <p:style>
+          <a:lnRef idx="2">
+            <a:schemeClr val="accent1">
+              <a:shade val="50000"/>
+            </a:schemeClr>
+          </a:lnRef>
+          <a:fillRef idx="1">
+            <a:schemeClr val="accent1"/>
+          </a:fillRef>
+          <a:effectRef idx="0">
+            <a:schemeClr val="accent1"/>
+          </a:effectRef>
+          <a:fontRef idx="minor">
+            <a:schemeClr val="lt1"/>
+          </a:fontRef>
+        </p:style>
+        <p:txBody>
+          <a:bodyPr rtlCol="0" anchor="ctr"/>
+          <a:lstStyle/>
+          <a:p>
+            <a:pPr algn="ctr"/>
+            <a:r>
+              <a:rPr lang="ko-KR" altLang="en-US" sz="2400" b="1" dirty="0" smtClean="0">
+                <a:solidFill>
+                  <a:schemeClr val="accent1">
+                    <a:lumMod val="75000"/>
+                  </a:schemeClr>
+                </a:solidFill>
+              </a:rPr>
+              <a:t>게임 시작</a:t>
+            </a:r>
+            <a:endParaRPr lang="en-US" altLang="ko-KR" sz="2400" b="1" dirty="0" smtClean="0">
+              <a:solidFill>
+                <a:schemeClr val="accent1">
+                  <a:lumMod val="75000"/>
+                </a:schemeClr>
+              </a:solidFill>
+            </a:endParaRPr>
+          </a:p>
+        </p:txBody>
+      </p:sp>
+      <p:sp>
+        <p:nvSpPr>
+          <p:cNvPr id="12" name="직사각형 11"/>
+          <p:cNvSpPr>
+            <a:spLocks noChangeAspect="1"/>
+          </p:cNvSpPr>
+          <p:nvPr/>
+        </p:nvSpPr>
+        <p:spPr>
+          <a:xfrm>
+            <a:off x="1756556" y="4725144"/>
+            <a:ext cx="2476800" cy="810000"/>
+          </a:xfrm>
+          <a:prstGeom prst="rect">
+            <a:avLst/>
+          </a:prstGeom>
+          <a:solidFill>
+            <a:srgbClr val="ACEDF4"/>
+          </a:solidFill>
+          <a:ln>
+            <a:noFill/>
+          </a:ln>
+          <a:effectLst>
+            <a:outerShdw blurRad="44450" dist="27940" dir="5400000" algn="ctr">
+              <a:srgbClr val="000000">
+                <a:alpha val="32000"/>
+              </a:srgbClr>
+            </a:outerShdw>
+            <a:softEdge rad="31750"/>
+          </a:effectLst>
+          <a:scene3d>
+            <a:camera prst="orthographicFront">
+              <a:rot lat="0" lon="0" rev="0"/>
+            </a:camera>
+            <a:lightRig rig="balanced" dir="t">
+              <a:rot lat="0" lon="0" rev="8700000"/>
+            </a:lightRig>
+          </a:scene3d>
+          <a:sp3d>
+            <a:bevelT w="190500" h="38100"/>
+          </a:sp3d>
+        </p:spPr>
+        <p:style>
+          <a:lnRef idx="2">
+            <a:schemeClr val="accent1">
+              <a:shade val="50000"/>
+            </a:schemeClr>
+          </a:lnRef>
+          <a:fillRef idx="1">
+            <a:schemeClr val="accent1"/>
+          </a:fillRef>
+          <a:effectRef idx="0">
+            <a:schemeClr val="accent1"/>
+          </a:effectRef>
+          <a:fontRef idx="minor">
+            <a:schemeClr val="lt1"/>
+          </a:fontRef>
+        </p:style>
+        <p:txBody>
+          <a:bodyPr rtlCol="0" anchor="ctr"/>
+          <a:lstStyle/>
+          <a:p>
+            <a:pPr algn="ctr"/>
+            <a:r>
+              <a:rPr lang="ko-KR" altLang="en-US" sz="2400" b="1" dirty="0" smtClean="0">
+                <a:solidFill>
+                  <a:schemeClr val="accent1">
+                    <a:lumMod val="75000"/>
+                  </a:schemeClr>
+                </a:solidFill>
+              </a:rPr>
+              <a:t>회원 가입</a:t>
             </a:r>
             <a:endParaRPr lang="en-US" altLang="ko-KR" sz="2400" b="1" dirty="0" smtClean="0">
               <a:solidFill>
